--- a/ppt 16-9/0577.爱主更深.pptx
+++ b/ppt 16-9/0577.爱主更深.pptx
@@ -129,7 +129,7 @@
           <p:cNvPr id="2" name="标题 1">
             <a:extLst>
               <a:ext uri="{FF2B5EF4-FFF2-40B4-BE49-F238E27FC236}">
-                <a16:creationId xmlns:a16="http://schemas.microsoft.com/office/drawing/2014/main" id="{AE4A9D51-30F7-422D-C99F-156C0D058C77}"/>
+                <a16:creationId xmlns:a16="http://schemas.microsoft.com/office/drawing/2014/main" id="{ECFA7F47-B4AF-00F4-5F24-1790896589EB}"/>
               </a:ext>
             </a:extLst>
           </p:cNvPr>
@@ -166,7 +166,7 @@
           <p:cNvPr id="3" name="副标题 2">
             <a:extLst>
               <a:ext uri="{FF2B5EF4-FFF2-40B4-BE49-F238E27FC236}">
-                <a16:creationId xmlns:a16="http://schemas.microsoft.com/office/drawing/2014/main" id="{CABC7EBE-2A31-782B-3E92-7141500FB02A}"/>
+                <a16:creationId xmlns:a16="http://schemas.microsoft.com/office/drawing/2014/main" id="{C164B2BD-6A45-262D-5E9D-E12DBA3F7D02}"/>
               </a:ext>
             </a:extLst>
           </p:cNvPr>
@@ -236,7 +236,7 @@
           <p:cNvPr id="4" name="日期占位符 3">
             <a:extLst>
               <a:ext uri="{FF2B5EF4-FFF2-40B4-BE49-F238E27FC236}">
-                <a16:creationId xmlns:a16="http://schemas.microsoft.com/office/drawing/2014/main" id="{3EF5DA93-241D-6691-C88D-C2D709027473}"/>
+                <a16:creationId xmlns:a16="http://schemas.microsoft.com/office/drawing/2014/main" id="{9AC51853-062A-1EF0-0B94-118168BE3624}"/>
               </a:ext>
             </a:extLst>
           </p:cNvPr>
@@ -252,7 +252,7 @@
           <a:bodyPr/>
           <a:lstStyle/>
           <a:p>
-            <a:fld id="{940FB25A-56E7-49E1-AC4A-A4720DBC0D55}" type="datetimeFigureOut">
+            <a:fld id="{7967D29B-F496-4D59-9D5C-98C5116B88FB}" type="datetimeFigureOut">
               <a:rPr lang="zh-CN" altLang="en-US" smtClean="0"/>
               <a:t>2024/3/10</a:t>
             </a:fld>
@@ -265,7 +265,7 @@
           <p:cNvPr id="5" name="页脚占位符 4">
             <a:extLst>
               <a:ext uri="{FF2B5EF4-FFF2-40B4-BE49-F238E27FC236}">
-                <a16:creationId xmlns:a16="http://schemas.microsoft.com/office/drawing/2014/main" id="{6C131047-6742-44B8-6553-2FC0299FD8DE}"/>
+                <a16:creationId xmlns:a16="http://schemas.microsoft.com/office/drawing/2014/main" id="{05F39634-FE51-D56A-A20A-D58FC28FA8E7}"/>
               </a:ext>
             </a:extLst>
           </p:cNvPr>
@@ -290,7 +290,7 @@
           <p:cNvPr id="6" name="灯片编号占位符 5">
             <a:extLst>
               <a:ext uri="{FF2B5EF4-FFF2-40B4-BE49-F238E27FC236}">
-                <a16:creationId xmlns:a16="http://schemas.microsoft.com/office/drawing/2014/main" id="{1F0842F2-8190-9825-614B-13182F5EAEA6}"/>
+                <a16:creationId xmlns:a16="http://schemas.microsoft.com/office/drawing/2014/main" id="{71113C2B-A18D-4D97-E65F-CD62F0709D69}"/>
               </a:ext>
             </a:extLst>
           </p:cNvPr>
@@ -306,7 +306,7 @@
           <a:bodyPr/>
           <a:lstStyle/>
           <a:p>
-            <a:fld id="{06327412-0BE3-4EE8-B2C7-B162D7E35AE9}" type="slidenum">
+            <a:fld id="{52B90D57-F762-4153-A641-EF6D75EA0603}" type="slidenum">
               <a:rPr lang="zh-CN" altLang="en-US" smtClean="0"/>
               <a:t>‹#›</a:t>
             </a:fld>
@@ -317,7 +317,7 @@
     </p:spTree>
     <p:extLst>
       <p:ext uri="{BB962C8B-B14F-4D97-AF65-F5344CB8AC3E}">
-        <p14:creationId xmlns:p14="http://schemas.microsoft.com/office/powerpoint/2010/main" val="3526977022"/>
+        <p14:creationId xmlns:p14="http://schemas.microsoft.com/office/powerpoint/2010/main" val="2414034787"/>
       </p:ext>
     </p:extLst>
   </p:cSld>
@@ -349,7 +349,7 @@
           <p:cNvPr id="2" name="标题 1">
             <a:extLst>
               <a:ext uri="{FF2B5EF4-FFF2-40B4-BE49-F238E27FC236}">
-                <a16:creationId xmlns:a16="http://schemas.microsoft.com/office/drawing/2014/main" id="{0C9BCE52-BF38-113D-2A6D-7BED9D6E3A51}"/>
+                <a16:creationId xmlns:a16="http://schemas.microsoft.com/office/drawing/2014/main" id="{9770D0A2-C31B-9886-EC41-9C438C127107}"/>
               </a:ext>
             </a:extLst>
           </p:cNvPr>
@@ -377,7 +377,7 @@
           <p:cNvPr id="3" name="竖排文字占位符 2">
             <a:extLst>
               <a:ext uri="{FF2B5EF4-FFF2-40B4-BE49-F238E27FC236}">
-                <a16:creationId xmlns:a16="http://schemas.microsoft.com/office/drawing/2014/main" id="{71B7E30F-5946-6E9F-098E-37EB0BD24039}"/>
+                <a16:creationId xmlns:a16="http://schemas.microsoft.com/office/drawing/2014/main" id="{035B0DD0-EEC1-7291-5CDE-C035B92BBB87}"/>
               </a:ext>
             </a:extLst>
           </p:cNvPr>
@@ -434,7 +434,7 @@
           <p:cNvPr id="4" name="日期占位符 3">
             <a:extLst>
               <a:ext uri="{FF2B5EF4-FFF2-40B4-BE49-F238E27FC236}">
-                <a16:creationId xmlns:a16="http://schemas.microsoft.com/office/drawing/2014/main" id="{96A1198E-8411-5006-4153-344672A3BB78}"/>
+                <a16:creationId xmlns:a16="http://schemas.microsoft.com/office/drawing/2014/main" id="{D0BFC481-CF9B-D249-2627-395872CEDFAE}"/>
               </a:ext>
             </a:extLst>
           </p:cNvPr>
@@ -450,7 +450,7 @@
           <a:bodyPr/>
           <a:lstStyle/>
           <a:p>
-            <a:fld id="{940FB25A-56E7-49E1-AC4A-A4720DBC0D55}" type="datetimeFigureOut">
+            <a:fld id="{7967D29B-F496-4D59-9D5C-98C5116B88FB}" type="datetimeFigureOut">
               <a:rPr lang="zh-CN" altLang="en-US" smtClean="0"/>
               <a:t>2024/3/10</a:t>
             </a:fld>
@@ -463,7 +463,7 @@
           <p:cNvPr id="5" name="页脚占位符 4">
             <a:extLst>
               <a:ext uri="{FF2B5EF4-FFF2-40B4-BE49-F238E27FC236}">
-                <a16:creationId xmlns:a16="http://schemas.microsoft.com/office/drawing/2014/main" id="{65A0CA39-2F8B-F0B6-5A35-6301990428C1}"/>
+                <a16:creationId xmlns:a16="http://schemas.microsoft.com/office/drawing/2014/main" id="{BA59433B-3772-0805-D283-659399DDAD9C}"/>
               </a:ext>
             </a:extLst>
           </p:cNvPr>
@@ -488,7 +488,7 @@
           <p:cNvPr id="6" name="灯片编号占位符 5">
             <a:extLst>
               <a:ext uri="{FF2B5EF4-FFF2-40B4-BE49-F238E27FC236}">
-                <a16:creationId xmlns:a16="http://schemas.microsoft.com/office/drawing/2014/main" id="{A0FA7524-6AF5-126A-9466-CAE7C7ADA32A}"/>
+                <a16:creationId xmlns:a16="http://schemas.microsoft.com/office/drawing/2014/main" id="{DFEBADA9-EE87-C736-A85E-83A5273102D6}"/>
               </a:ext>
             </a:extLst>
           </p:cNvPr>
@@ -504,7 +504,7 @@
           <a:bodyPr/>
           <a:lstStyle/>
           <a:p>
-            <a:fld id="{06327412-0BE3-4EE8-B2C7-B162D7E35AE9}" type="slidenum">
+            <a:fld id="{52B90D57-F762-4153-A641-EF6D75EA0603}" type="slidenum">
               <a:rPr lang="zh-CN" altLang="en-US" smtClean="0"/>
               <a:t>‹#›</a:t>
             </a:fld>
@@ -515,7 +515,7 @@
     </p:spTree>
     <p:extLst>
       <p:ext uri="{BB962C8B-B14F-4D97-AF65-F5344CB8AC3E}">
-        <p14:creationId xmlns:p14="http://schemas.microsoft.com/office/powerpoint/2010/main" val="156412013"/>
+        <p14:creationId xmlns:p14="http://schemas.microsoft.com/office/powerpoint/2010/main" val="3733167208"/>
       </p:ext>
     </p:extLst>
   </p:cSld>
@@ -547,7 +547,7 @@
           <p:cNvPr id="2" name="竖排标题 1">
             <a:extLst>
               <a:ext uri="{FF2B5EF4-FFF2-40B4-BE49-F238E27FC236}">
-                <a16:creationId xmlns:a16="http://schemas.microsoft.com/office/drawing/2014/main" id="{00F4C182-2DC1-41FC-A397-6CA405B3D415}"/>
+                <a16:creationId xmlns:a16="http://schemas.microsoft.com/office/drawing/2014/main" id="{46D6F461-B61D-FCB7-7ED3-700DF6E975CE}"/>
               </a:ext>
             </a:extLst>
           </p:cNvPr>
@@ -580,7 +580,7 @@
           <p:cNvPr id="3" name="竖排文字占位符 2">
             <a:extLst>
               <a:ext uri="{FF2B5EF4-FFF2-40B4-BE49-F238E27FC236}">
-                <a16:creationId xmlns:a16="http://schemas.microsoft.com/office/drawing/2014/main" id="{E6ED8A92-C0EE-3767-686F-0A9CC0017B21}"/>
+                <a16:creationId xmlns:a16="http://schemas.microsoft.com/office/drawing/2014/main" id="{B486A8AA-3E9F-657C-457C-289EFF9E09E6}"/>
               </a:ext>
             </a:extLst>
           </p:cNvPr>
@@ -642,7 +642,7 @@
           <p:cNvPr id="4" name="日期占位符 3">
             <a:extLst>
               <a:ext uri="{FF2B5EF4-FFF2-40B4-BE49-F238E27FC236}">
-                <a16:creationId xmlns:a16="http://schemas.microsoft.com/office/drawing/2014/main" id="{408C5475-5CC1-97F7-17AF-BDB9BFB29A02}"/>
+                <a16:creationId xmlns:a16="http://schemas.microsoft.com/office/drawing/2014/main" id="{0B9DF84A-7C45-6498-1157-EFC0E3F1521E}"/>
               </a:ext>
             </a:extLst>
           </p:cNvPr>
@@ -658,7 +658,7 @@
           <a:bodyPr/>
           <a:lstStyle/>
           <a:p>
-            <a:fld id="{940FB25A-56E7-49E1-AC4A-A4720DBC0D55}" type="datetimeFigureOut">
+            <a:fld id="{7967D29B-F496-4D59-9D5C-98C5116B88FB}" type="datetimeFigureOut">
               <a:rPr lang="zh-CN" altLang="en-US" smtClean="0"/>
               <a:t>2024/3/10</a:t>
             </a:fld>
@@ -671,7 +671,7 @@
           <p:cNvPr id="5" name="页脚占位符 4">
             <a:extLst>
               <a:ext uri="{FF2B5EF4-FFF2-40B4-BE49-F238E27FC236}">
-                <a16:creationId xmlns:a16="http://schemas.microsoft.com/office/drawing/2014/main" id="{BFB14C52-005A-8ECF-D4E1-6AED19653FF7}"/>
+                <a16:creationId xmlns:a16="http://schemas.microsoft.com/office/drawing/2014/main" id="{8550C64B-850A-482C-2819-3CD210A350D2}"/>
               </a:ext>
             </a:extLst>
           </p:cNvPr>
@@ -696,7 +696,7 @@
           <p:cNvPr id="6" name="灯片编号占位符 5">
             <a:extLst>
               <a:ext uri="{FF2B5EF4-FFF2-40B4-BE49-F238E27FC236}">
-                <a16:creationId xmlns:a16="http://schemas.microsoft.com/office/drawing/2014/main" id="{64BE75BB-3160-7F0D-E87D-A4CAE46AA2D6}"/>
+                <a16:creationId xmlns:a16="http://schemas.microsoft.com/office/drawing/2014/main" id="{6B5FF466-0A92-53BE-4BEC-722DF0D6E8D5}"/>
               </a:ext>
             </a:extLst>
           </p:cNvPr>
@@ -712,7 +712,7 @@
           <a:bodyPr/>
           <a:lstStyle/>
           <a:p>
-            <a:fld id="{06327412-0BE3-4EE8-B2C7-B162D7E35AE9}" type="slidenum">
+            <a:fld id="{52B90D57-F762-4153-A641-EF6D75EA0603}" type="slidenum">
               <a:rPr lang="zh-CN" altLang="en-US" smtClean="0"/>
               <a:t>‹#›</a:t>
             </a:fld>
@@ -723,7 +723,7 @@
     </p:spTree>
     <p:extLst>
       <p:ext uri="{BB962C8B-B14F-4D97-AF65-F5344CB8AC3E}">
-        <p14:creationId xmlns:p14="http://schemas.microsoft.com/office/powerpoint/2010/main" val="2224822638"/>
+        <p14:creationId xmlns:p14="http://schemas.microsoft.com/office/powerpoint/2010/main" val="4185972655"/>
       </p:ext>
     </p:extLst>
   </p:cSld>
@@ -755,7 +755,7 @@
           <p:cNvPr id="2" name="标题 1">
             <a:extLst>
               <a:ext uri="{FF2B5EF4-FFF2-40B4-BE49-F238E27FC236}">
-                <a16:creationId xmlns:a16="http://schemas.microsoft.com/office/drawing/2014/main" id="{903574C7-F4EE-5EFA-55CD-3C3AA3ABA971}"/>
+                <a16:creationId xmlns:a16="http://schemas.microsoft.com/office/drawing/2014/main" id="{0BFB0A03-FA91-A874-6FD4-8CA848CACBD5}"/>
               </a:ext>
             </a:extLst>
           </p:cNvPr>
@@ -783,7 +783,7 @@
           <p:cNvPr id="3" name="内容占位符 2">
             <a:extLst>
               <a:ext uri="{FF2B5EF4-FFF2-40B4-BE49-F238E27FC236}">
-                <a16:creationId xmlns:a16="http://schemas.microsoft.com/office/drawing/2014/main" id="{3DF1F9D3-0DDA-E8A0-F671-9E9D1B635591}"/>
+                <a16:creationId xmlns:a16="http://schemas.microsoft.com/office/drawing/2014/main" id="{57C1380A-5D11-5EB7-93CB-4D6006227A1B}"/>
               </a:ext>
             </a:extLst>
           </p:cNvPr>
@@ -840,7 +840,7 @@
           <p:cNvPr id="4" name="日期占位符 3">
             <a:extLst>
               <a:ext uri="{FF2B5EF4-FFF2-40B4-BE49-F238E27FC236}">
-                <a16:creationId xmlns:a16="http://schemas.microsoft.com/office/drawing/2014/main" id="{6890A8C2-B84B-A582-154D-123A085ED293}"/>
+                <a16:creationId xmlns:a16="http://schemas.microsoft.com/office/drawing/2014/main" id="{2DE3366D-8236-69F2-8671-C7CFB8BE7ED3}"/>
               </a:ext>
             </a:extLst>
           </p:cNvPr>
@@ -856,7 +856,7 @@
           <a:bodyPr/>
           <a:lstStyle/>
           <a:p>
-            <a:fld id="{940FB25A-56E7-49E1-AC4A-A4720DBC0D55}" type="datetimeFigureOut">
+            <a:fld id="{7967D29B-F496-4D59-9D5C-98C5116B88FB}" type="datetimeFigureOut">
               <a:rPr lang="zh-CN" altLang="en-US" smtClean="0"/>
               <a:t>2024/3/10</a:t>
             </a:fld>
@@ -869,7 +869,7 @@
           <p:cNvPr id="5" name="页脚占位符 4">
             <a:extLst>
               <a:ext uri="{FF2B5EF4-FFF2-40B4-BE49-F238E27FC236}">
-                <a16:creationId xmlns:a16="http://schemas.microsoft.com/office/drawing/2014/main" id="{826D767C-38E6-7641-CF22-AC95B8A05F92}"/>
+                <a16:creationId xmlns:a16="http://schemas.microsoft.com/office/drawing/2014/main" id="{F96BEB7A-6DB3-70C1-F4D4-5D33540E217E}"/>
               </a:ext>
             </a:extLst>
           </p:cNvPr>
@@ -894,7 +894,7 @@
           <p:cNvPr id="6" name="灯片编号占位符 5">
             <a:extLst>
               <a:ext uri="{FF2B5EF4-FFF2-40B4-BE49-F238E27FC236}">
-                <a16:creationId xmlns:a16="http://schemas.microsoft.com/office/drawing/2014/main" id="{D2B1A593-389E-77B3-22EA-EBD43DFE53AF}"/>
+                <a16:creationId xmlns:a16="http://schemas.microsoft.com/office/drawing/2014/main" id="{6DDB549B-D65F-832D-DA3A-6DA14706063A}"/>
               </a:ext>
             </a:extLst>
           </p:cNvPr>
@@ -910,7 +910,7 @@
           <a:bodyPr/>
           <a:lstStyle/>
           <a:p>
-            <a:fld id="{06327412-0BE3-4EE8-B2C7-B162D7E35AE9}" type="slidenum">
+            <a:fld id="{52B90D57-F762-4153-A641-EF6D75EA0603}" type="slidenum">
               <a:rPr lang="zh-CN" altLang="en-US" smtClean="0"/>
               <a:t>‹#›</a:t>
             </a:fld>
@@ -921,7 +921,7 @@
     </p:spTree>
     <p:extLst>
       <p:ext uri="{BB962C8B-B14F-4D97-AF65-F5344CB8AC3E}">
-        <p14:creationId xmlns:p14="http://schemas.microsoft.com/office/powerpoint/2010/main" val="3121529165"/>
+        <p14:creationId xmlns:p14="http://schemas.microsoft.com/office/powerpoint/2010/main" val="3799199565"/>
       </p:ext>
     </p:extLst>
   </p:cSld>
@@ -953,7 +953,7 @@
           <p:cNvPr id="2" name="标题 1">
             <a:extLst>
               <a:ext uri="{FF2B5EF4-FFF2-40B4-BE49-F238E27FC236}">
-                <a16:creationId xmlns:a16="http://schemas.microsoft.com/office/drawing/2014/main" id="{7828694A-9D0A-D78B-E30F-0CCBD5BCA9B8}"/>
+                <a16:creationId xmlns:a16="http://schemas.microsoft.com/office/drawing/2014/main" id="{7A352339-58C5-8DAD-A5FB-DDB6D65A735F}"/>
               </a:ext>
             </a:extLst>
           </p:cNvPr>
@@ -990,7 +990,7 @@
           <p:cNvPr id="3" name="文本占位符 2">
             <a:extLst>
               <a:ext uri="{FF2B5EF4-FFF2-40B4-BE49-F238E27FC236}">
-                <a16:creationId xmlns:a16="http://schemas.microsoft.com/office/drawing/2014/main" id="{5DB66D3A-612B-E2D2-D0EF-415D8D2A85BD}"/>
+                <a16:creationId xmlns:a16="http://schemas.microsoft.com/office/drawing/2014/main" id="{495694FD-1486-2ABD-4C71-AD308DCB134F}"/>
               </a:ext>
             </a:extLst>
           </p:cNvPr>
@@ -1115,7 +1115,7 @@
           <p:cNvPr id="4" name="日期占位符 3">
             <a:extLst>
               <a:ext uri="{FF2B5EF4-FFF2-40B4-BE49-F238E27FC236}">
-                <a16:creationId xmlns:a16="http://schemas.microsoft.com/office/drawing/2014/main" id="{5BE1AD4E-C63F-AFBC-B66A-99A7BF75B89B}"/>
+                <a16:creationId xmlns:a16="http://schemas.microsoft.com/office/drawing/2014/main" id="{5704A7F6-A3EC-2031-E6FB-049635742DE3}"/>
               </a:ext>
             </a:extLst>
           </p:cNvPr>
@@ -1131,7 +1131,7 @@
           <a:bodyPr/>
           <a:lstStyle/>
           <a:p>
-            <a:fld id="{940FB25A-56E7-49E1-AC4A-A4720DBC0D55}" type="datetimeFigureOut">
+            <a:fld id="{7967D29B-F496-4D59-9D5C-98C5116B88FB}" type="datetimeFigureOut">
               <a:rPr lang="zh-CN" altLang="en-US" smtClean="0"/>
               <a:t>2024/3/10</a:t>
             </a:fld>
@@ -1144,7 +1144,7 @@
           <p:cNvPr id="5" name="页脚占位符 4">
             <a:extLst>
               <a:ext uri="{FF2B5EF4-FFF2-40B4-BE49-F238E27FC236}">
-                <a16:creationId xmlns:a16="http://schemas.microsoft.com/office/drawing/2014/main" id="{8D8F74C7-EDE2-3A38-B9EA-BF1B1730A4F2}"/>
+                <a16:creationId xmlns:a16="http://schemas.microsoft.com/office/drawing/2014/main" id="{E54402D7-EAA8-BF59-3608-5D700ED12532}"/>
               </a:ext>
             </a:extLst>
           </p:cNvPr>
@@ -1169,7 +1169,7 @@
           <p:cNvPr id="6" name="灯片编号占位符 5">
             <a:extLst>
               <a:ext uri="{FF2B5EF4-FFF2-40B4-BE49-F238E27FC236}">
-                <a16:creationId xmlns:a16="http://schemas.microsoft.com/office/drawing/2014/main" id="{34072748-58F7-FB06-935D-6D767119F1C5}"/>
+                <a16:creationId xmlns:a16="http://schemas.microsoft.com/office/drawing/2014/main" id="{4849EF75-44EA-D374-6C6B-31B81AC5943C}"/>
               </a:ext>
             </a:extLst>
           </p:cNvPr>
@@ -1185,7 +1185,7 @@
           <a:bodyPr/>
           <a:lstStyle/>
           <a:p>
-            <a:fld id="{06327412-0BE3-4EE8-B2C7-B162D7E35AE9}" type="slidenum">
+            <a:fld id="{52B90D57-F762-4153-A641-EF6D75EA0603}" type="slidenum">
               <a:rPr lang="zh-CN" altLang="en-US" smtClean="0"/>
               <a:t>‹#›</a:t>
             </a:fld>
@@ -1196,7 +1196,7 @@
     </p:spTree>
     <p:extLst>
       <p:ext uri="{BB962C8B-B14F-4D97-AF65-F5344CB8AC3E}">
-        <p14:creationId xmlns:p14="http://schemas.microsoft.com/office/powerpoint/2010/main" val="4018099952"/>
+        <p14:creationId xmlns:p14="http://schemas.microsoft.com/office/powerpoint/2010/main" val="2035492802"/>
       </p:ext>
     </p:extLst>
   </p:cSld>
@@ -1228,7 +1228,7 @@
           <p:cNvPr id="2" name="标题 1">
             <a:extLst>
               <a:ext uri="{FF2B5EF4-FFF2-40B4-BE49-F238E27FC236}">
-                <a16:creationId xmlns:a16="http://schemas.microsoft.com/office/drawing/2014/main" id="{50FB7E7B-4A7F-9263-8F54-6708999E5D3A}"/>
+                <a16:creationId xmlns:a16="http://schemas.microsoft.com/office/drawing/2014/main" id="{CDAD6E55-3E4F-1721-221B-267ABE1B8116}"/>
               </a:ext>
             </a:extLst>
           </p:cNvPr>
@@ -1256,7 +1256,7 @@
           <p:cNvPr id="3" name="内容占位符 2">
             <a:extLst>
               <a:ext uri="{FF2B5EF4-FFF2-40B4-BE49-F238E27FC236}">
-                <a16:creationId xmlns:a16="http://schemas.microsoft.com/office/drawing/2014/main" id="{CE0228F2-8D59-2E31-607C-262C471483F7}"/>
+                <a16:creationId xmlns:a16="http://schemas.microsoft.com/office/drawing/2014/main" id="{FAC48EB5-0A5A-D056-E73A-5AE6CF50E230}"/>
               </a:ext>
             </a:extLst>
           </p:cNvPr>
@@ -1318,7 +1318,7 @@
           <p:cNvPr id="4" name="内容占位符 3">
             <a:extLst>
               <a:ext uri="{FF2B5EF4-FFF2-40B4-BE49-F238E27FC236}">
-                <a16:creationId xmlns:a16="http://schemas.microsoft.com/office/drawing/2014/main" id="{27A87009-96B7-9F94-207F-728A202EB08B}"/>
+                <a16:creationId xmlns:a16="http://schemas.microsoft.com/office/drawing/2014/main" id="{8B5FD13B-24DC-0920-64CC-5A86FDDD6E93}"/>
               </a:ext>
             </a:extLst>
           </p:cNvPr>
@@ -1380,7 +1380,7 @@
           <p:cNvPr id="5" name="日期占位符 4">
             <a:extLst>
               <a:ext uri="{FF2B5EF4-FFF2-40B4-BE49-F238E27FC236}">
-                <a16:creationId xmlns:a16="http://schemas.microsoft.com/office/drawing/2014/main" id="{7DEF2355-7F3E-06C8-91AF-E0871A83EC6B}"/>
+                <a16:creationId xmlns:a16="http://schemas.microsoft.com/office/drawing/2014/main" id="{2C12DE43-D99F-B452-8461-6860D8551307}"/>
               </a:ext>
             </a:extLst>
           </p:cNvPr>
@@ -1396,7 +1396,7 @@
           <a:bodyPr/>
           <a:lstStyle/>
           <a:p>
-            <a:fld id="{940FB25A-56E7-49E1-AC4A-A4720DBC0D55}" type="datetimeFigureOut">
+            <a:fld id="{7967D29B-F496-4D59-9D5C-98C5116B88FB}" type="datetimeFigureOut">
               <a:rPr lang="zh-CN" altLang="en-US" smtClean="0"/>
               <a:t>2024/3/10</a:t>
             </a:fld>
@@ -1409,7 +1409,7 @@
           <p:cNvPr id="6" name="页脚占位符 5">
             <a:extLst>
               <a:ext uri="{FF2B5EF4-FFF2-40B4-BE49-F238E27FC236}">
-                <a16:creationId xmlns:a16="http://schemas.microsoft.com/office/drawing/2014/main" id="{34A40902-49AA-30AD-3A03-006164A602E5}"/>
+                <a16:creationId xmlns:a16="http://schemas.microsoft.com/office/drawing/2014/main" id="{0AF30400-7AB9-D4AB-4D7A-080EC7BE36B6}"/>
               </a:ext>
             </a:extLst>
           </p:cNvPr>
@@ -1434,7 +1434,7 @@
           <p:cNvPr id="7" name="灯片编号占位符 6">
             <a:extLst>
               <a:ext uri="{FF2B5EF4-FFF2-40B4-BE49-F238E27FC236}">
-                <a16:creationId xmlns:a16="http://schemas.microsoft.com/office/drawing/2014/main" id="{9CA1C844-1B35-683C-8CCE-73E5E8EEA9C8}"/>
+                <a16:creationId xmlns:a16="http://schemas.microsoft.com/office/drawing/2014/main" id="{F50D2449-901A-4D05-638F-CFFF18DF915A}"/>
               </a:ext>
             </a:extLst>
           </p:cNvPr>
@@ -1450,7 +1450,7 @@
           <a:bodyPr/>
           <a:lstStyle/>
           <a:p>
-            <a:fld id="{06327412-0BE3-4EE8-B2C7-B162D7E35AE9}" type="slidenum">
+            <a:fld id="{52B90D57-F762-4153-A641-EF6D75EA0603}" type="slidenum">
               <a:rPr lang="zh-CN" altLang="en-US" smtClean="0"/>
               <a:t>‹#›</a:t>
             </a:fld>
@@ -1461,7 +1461,7 @@
     </p:spTree>
     <p:extLst>
       <p:ext uri="{BB962C8B-B14F-4D97-AF65-F5344CB8AC3E}">
-        <p14:creationId xmlns:p14="http://schemas.microsoft.com/office/powerpoint/2010/main" val="2287872093"/>
+        <p14:creationId xmlns:p14="http://schemas.microsoft.com/office/powerpoint/2010/main" val="2101449080"/>
       </p:ext>
     </p:extLst>
   </p:cSld>
@@ -1493,7 +1493,7 @@
           <p:cNvPr id="2" name="标题 1">
             <a:extLst>
               <a:ext uri="{FF2B5EF4-FFF2-40B4-BE49-F238E27FC236}">
-                <a16:creationId xmlns:a16="http://schemas.microsoft.com/office/drawing/2014/main" id="{6BAA3739-1F87-ACF1-94A3-5E6F408FFBAC}"/>
+                <a16:creationId xmlns:a16="http://schemas.microsoft.com/office/drawing/2014/main" id="{10B3E3F0-A23D-C222-E6CC-14CA4109CB4C}"/>
               </a:ext>
             </a:extLst>
           </p:cNvPr>
@@ -1526,7 +1526,7 @@
           <p:cNvPr id="3" name="文本占位符 2">
             <a:extLst>
               <a:ext uri="{FF2B5EF4-FFF2-40B4-BE49-F238E27FC236}">
-                <a16:creationId xmlns:a16="http://schemas.microsoft.com/office/drawing/2014/main" id="{632ABD7E-AE60-5072-242B-61D0EBDB36B3}"/>
+                <a16:creationId xmlns:a16="http://schemas.microsoft.com/office/drawing/2014/main" id="{A9CC69E2-0F9D-9288-36D7-7CFC9DACF017}"/>
               </a:ext>
             </a:extLst>
           </p:cNvPr>
@@ -1597,7 +1597,7 @@
           <p:cNvPr id="4" name="内容占位符 3">
             <a:extLst>
               <a:ext uri="{FF2B5EF4-FFF2-40B4-BE49-F238E27FC236}">
-                <a16:creationId xmlns:a16="http://schemas.microsoft.com/office/drawing/2014/main" id="{5C9AB0A4-4FE6-2652-AC7C-B001A1B7DDE5}"/>
+                <a16:creationId xmlns:a16="http://schemas.microsoft.com/office/drawing/2014/main" id="{17B26325-35D0-0A5D-A680-81ACC60D7218}"/>
               </a:ext>
             </a:extLst>
           </p:cNvPr>
@@ -1659,7 +1659,7 @@
           <p:cNvPr id="5" name="文本占位符 4">
             <a:extLst>
               <a:ext uri="{FF2B5EF4-FFF2-40B4-BE49-F238E27FC236}">
-                <a16:creationId xmlns:a16="http://schemas.microsoft.com/office/drawing/2014/main" id="{41133F1C-FA7C-6F7E-8816-982617BB9BF5}"/>
+                <a16:creationId xmlns:a16="http://schemas.microsoft.com/office/drawing/2014/main" id="{E5DF8B82-AF9F-5660-5709-C717FA8E327C}"/>
               </a:ext>
             </a:extLst>
           </p:cNvPr>
@@ -1730,7 +1730,7 @@
           <p:cNvPr id="6" name="内容占位符 5">
             <a:extLst>
               <a:ext uri="{FF2B5EF4-FFF2-40B4-BE49-F238E27FC236}">
-                <a16:creationId xmlns:a16="http://schemas.microsoft.com/office/drawing/2014/main" id="{74A43D78-FF12-1187-504A-CA20D0D47793}"/>
+                <a16:creationId xmlns:a16="http://schemas.microsoft.com/office/drawing/2014/main" id="{78992D7B-66AF-E099-F74E-0122F6AF38C9}"/>
               </a:ext>
             </a:extLst>
           </p:cNvPr>
@@ -1792,7 +1792,7 @@
           <p:cNvPr id="7" name="日期占位符 6">
             <a:extLst>
               <a:ext uri="{FF2B5EF4-FFF2-40B4-BE49-F238E27FC236}">
-                <a16:creationId xmlns:a16="http://schemas.microsoft.com/office/drawing/2014/main" id="{55CD638F-876E-6954-AA2C-110A9A53DB2E}"/>
+                <a16:creationId xmlns:a16="http://schemas.microsoft.com/office/drawing/2014/main" id="{DC177C37-FF4E-CCA9-484C-B9DA95FFB94B}"/>
               </a:ext>
             </a:extLst>
           </p:cNvPr>
@@ -1808,7 +1808,7 @@
           <a:bodyPr/>
           <a:lstStyle/>
           <a:p>
-            <a:fld id="{940FB25A-56E7-49E1-AC4A-A4720DBC0D55}" type="datetimeFigureOut">
+            <a:fld id="{7967D29B-F496-4D59-9D5C-98C5116B88FB}" type="datetimeFigureOut">
               <a:rPr lang="zh-CN" altLang="en-US" smtClean="0"/>
               <a:t>2024/3/10</a:t>
             </a:fld>
@@ -1821,7 +1821,7 @@
           <p:cNvPr id="8" name="页脚占位符 7">
             <a:extLst>
               <a:ext uri="{FF2B5EF4-FFF2-40B4-BE49-F238E27FC236}">
-                <a16:creationId xmlns:a16="http://schemas.microsoft.com/office/drawing/2014/main" id="{7C07B493-627F-D289-F165-351B2AEC453D}"/>
+                <a16:creationId xmlns:a16="http://schemas.microsoft.com/office/drawing/2014/main" id="{D97BF1D8-07C3-BFF1-F919-E639AB4475A3}"/>
               </a:ext>
             </a:extLst>
           </p:cNvPr>
@@ -1846,7 +1846,7 @@
           <p:cNvPr id="9" name="灯片编号占位符 8">
             <a:extLst>
               <a:ext uri="{FF2B5EF4-FFF2-40B4-BE49-F238E27FC236}">
-                <a16:creationId xmlns:a16="http://schemas.microsoft.com/office/drawing/2014/main" id="{23E79375-6026-AA3F-F1CF-A2FB8315F2BB}"/>
+                <a16:creationId xmlns:a16="http://schemas.microsoft.com/office/drawing/2014/main" id="{257E2491-4A87-0905-F587-94B375589629}"/>
               </a:ext>
             </a:extLst>
           </p:cNvPr>
@@ -1862,7 +1862,7 @@
           <a:bodyPr/>
           <a:lstStyle/>
           <a:p>
-            <a:fld id="{06327412-0BE3-4EE8-B2C7-B162D7E35AE9}" type="slidenum">
+            <a:fld id="{52B90D57-F762-4153-A641-EF6D75EA0603}" type="slidenum">
               <a:rPr lang="zh-CN" altLang="en-US" smtClean="0"/>
               <a:t>‹#›</a:t>
             </a:fld>
@@ -1873,7 +1873,7 @@
     </p:spTree>
     <p:extLst>
       <p:ext uri="{BB962C8B-B14F-4D97-AF65-F5344CB8AC3E}">
-        <p14:creationId xmlns:p14="http://schemas.microsoft.com/office/powerpoint/2010/main" val="3053049855"/>
+        <p14:creationId xmlns:p14="http://schemas.microsoft.com/office/powerpoint/2010/main" val="2281675795"/>
       </p:ext>
     </p:extLst>
   </p:cSld>
@@ -1905,7 +1905,7 @@
           <p:cNvPr id="2" name="标题 1">
             <a:extLst>
               <a:ext uri="{FF2B5EF4-FFF2-40B4-BE49-F238E27FC236}">
-                <a16:creationId xmlns:a16="http://schemas.microsoft.com/office/drawing/2014/main" id="{9B81A0A5-65A2-DE30-EDD9-74BDA2F69A66}"/>
+                <a16:creationId xmlns:a16="http://schemas.microsoft.com/office/drawing/2014/main" id="{28C2EB3F-BD49-C953-A9A6-4D79AB324FE1}"/>
               </a:ext>
             </a:extLst>
           </p:cNvPr>
@@ -1933,7 +1933,7 @@
           <p:cNvPr id="3" name="日期占位符 2">
             <a:extLst>
               <a:ext uri="{FF2B5EF4-FFF2-40B4-BE49-F238E27FC236}">
-                <a16:creationId xmlns:a16="http://schemas.microsoft.com/office/drawing/2014/main" id="{A1E242F4-7310-CA68-142C-F2D005EE95BA}"/>
+                <a16:creationId xmlns:a16="http://schemas.microsoft.com/office/drawing/2014/main" id="{2D7DCE33-6B0A-5AF8-DB94-93D48A718487}"/>
               </a:ext>
             </a:extLst>
           </p:cNvPr>
@@ -1949,7 +1949,7 @@
           <a:bodyPr/>
           <a:lstStyle/>
           <a:p>
-            <a:fld id="{940FB25A-56E7-49E1-AC4A-A4720DBC0D55}" type="datetimeFigureOut">
+            <a:fld id="{7967D29B-F496-4D59-9D5C-98C5116B88FB}" type="datetimeFigureOut">
               <a:rPr lang="zh-CN" altLang="en-US" smtClean="0"/>
               <a:t>2024/3/10</a:t>
             </a:fld>
@@ -1962,7 +1962,7 @@
           <p:cNvPr id="4" name="页脚占位符 3">
             <a:extLst>
               <a:ext uri="{FF2B5EF4-FFF2-40B4-BE49-F238E27FC236}">
-                <a16:creationId xmlns:a16="http://schemas.microsoft.com/office/drawing/2014/main" id="{2D4BC910-0B99-348C-8D73-1D32A3928EBE}"/>
+                <a16:creationId xmlns:a16="http://schemas.microsoft.com/office/drawing/2014/main" id="{8D1FC65C-6EDC-CD57-BD67-74953B6AE895}"/>
               </a:ext>
             </a:extLst>
           </p:cNvPr>
@@ -1987,7 +1987,7 @@
           <p:cNvPr id="5" name="灯片编号占位符 4">
             <a:extLst>
               <a:ext uri="{FF2B5EF4-FFF2-40B4-BE49-F238E27FC236}">
-                <a16:creationId xmlns:a16="http://schemas.microsoft.com/office/drawing/2014/main" id="{39C4DB71-D9F8-6C19-4FCD-E090A50B369A}"/>
+                <a16:creationId xmlns:a16="http://schemas.microsoft.com/office/drawing/2014/main" id="{123A9F2A-719C-CF10-2B3A-9941F345F483}"/>
               </a:ext>
             </a:extLst>
           </p:cNvPr>
@@ -2003,7 +2003,7 @@
           <a:bodyPr/>
           <a:lstStyle/>
           <a:p>
-            <a:fld id="{06327412-0BE3-4EE8-B2C7-B162D7E35AE9}" type="slidenum">
+            <a:fld id="{52B90D57-F762-4153-A641-EF6D75EA0603}" type="slidenum">
               <a:rPr lang="zh-CN" altLang="en-US" smtClean="0"/>
               <a:t>‹#›</a:t>
             </a:fld>
@@ -2014,7 +2014,7 @@
     </p:spTree>
     <p:extLst>
       <p:ext uri="{BB962C8B-B14F-4D97-AF65-F5344CB8AC3E}">
-        <p14:creationId xmlns:p14="http://schemas.microsoft.com/office/powerpoint/2010/main" val="2372069422"/>
+        <p14:creationId xmlns:p14="http://schemas.microsoft.com/office/powerpoint/2010/main" val="169914203"/>
       </p:ext>
     </p:extLst>
   </p:cSld>
@@ -2046,7 +2046,7 @@
           <p:cNvPr id="2" name="日期占位符 1">
             <a:extLst>
               <a:ext uri="{FF2B5EF4-FFF2-40B4-BE49-F238E27FC236}">
-                <a16:creationId xmlns:a16="http://schemas.microsoft.com/office/drawing/2014/main" id="{F26F4BA5-2108-CE1D-881D-1894216C4CB0}"/>
+                <a16:creationId xmlns:a16="http://schemas.microsoft.com/office/drawing/2014/main" id="{7A2417FE-FE13-F43B-F3C1-50A880FC41DA}"/>
               </a:ext>
             </a:extLst>
           </p:cNvPr>
@@ -2062,7 +2062,7 @@
           <a:bodyPr/>
           <a:lstStyle/>
           <a:p>
-            <a:fld id="{940FB25A-56E7-49E1-AC4A-A4720DBC0D55}" type="datetimeFigureOut">
+            <a:fld id="{7967D29B-F496-4D59-9D5C-98C5116B88FB}" type="datetimeFigureOut">
               <a:rPr lang="zh-CN" altLang="en-US" smtClean="0"/>
               <a:t>2024/3/10</a:t>
             </a:fld>
@@ -2075,7 +2075,7 @@
           <p:cNvPr id="3" name="页脚占位符 2">
             <a:extLst>
               <a:ext uri="{FF2B5EF4-FFF2-40B4-BE49-F238E27FC236}">
-                <a16:creationId xmlns:a16="http://schemas.microsoft.com/office/drawing/2014/main" id="{1D4BC859-9596-202C-68E8-150B5BF0371C}"/>
+                <a16:creationId xmlns:a16="http://schemas.microsoft.com/office/drawing/2014/main" id="{03624AFA-6ADC-72F2-014E-DE2263A325E4}"/>
               </a:ext>
             </a:extLst>
           </p:cNvPr>
@@ -2100,7 +2100,7 @@
           <p:cNvPr id="4" name="灯片编号占位符 3">
             <a:extLst>
               <a:ext uri="{FF2B5EF4-FFF2-40B4-BE49-F238E27FC236}">
-                <a16:creationId xmlns:a16="http://schemas.microsoft.com/office/drawing/2014/main" id="{3E80F586-71A1-F235-BECD-102532BAEE9E}"/>
+                <a16:creationId xmlns:a16="http://schemas.microsoft.com/office/drawing/2014/main" id="{D5E6AFDD-6CBA-ECAE-C96C-086F2C7327CA}"/>
               </a:ext>
             </a:extLst>
           </p:cNvPr>
@@ -2116,7 +2116,7 @@
           <a:bodyPr/>
           <a:lstStyle/>
           <a:p>
-            <a:fld id="{06327412-0BE3-4EE8-B2C7-B162D7E35AE9}" type="slidenum">
+            <a:fld id="{52B90D57-F762-4153-A641-EF6D75EA0603}" type="slidenum">
               <a:rPr lang="zh-CN" altLang="en-US" smtClean="0"/>
               <a:t>‹#›</a:t>
             </a:fld>
@@ -2127,7 +2127,7 @@
     </p:spTree>
     <p:extLst>
       <p:ext uri="{BB962C8B-B14F-4D97-AF65-F5344CB8AC3E}">
-        <p14:creationId xmlns:p14="http://schemas.microsoft.com/office/powerpoint/2010/main" val="2605747358"/>
+        <p14:creationId xmlns:p14="http://schemas.microsoft.com/office/powerpoint/2010/main" val="3504300038"/>
       </p:ext>
     </p:extLst>
   </p:cSld>
@@ -2159,7 +2159,7 @@
           <p:cNvPr id="2" name="标题 1">
             <a:extLst>
               <a:ext uri="{FF2B5EF4-FFF2-40B4-BE49-F238E27FC236}">
-                <a16:creationId xmlns:a16="http://schemas.microsoft.com/office/drawing/2014/main" id="{DB081B33-C34B-94F4-C8FD-3FF83E6C291E}"/>
+                <a16:creationId xmlns:a16="http://schemas.microsoft.com/office/drawing/2014/main" id="{24458405-D72B-4333-5003-702CED4F0BB3}"/>
               </a:ext>
             </a:extLst>
           </p:cNvPr>
@@ -2196,7 +2196,7 @@
           <p:cNvPr id="3" name="内容占位符 2">
             <a:extLst>
               <a:ext uri="{FF2B5EF4-FFF2-40B4-BE49-F238E27FC236}">
-                <a16:creationId xmlns:a16="http://schemas.microsoft.com/office/drawing/2014/main" id="{E7407467-4C65-425F-2F57-C8765CAAB0B4}"/>
+                <a16:creationId xmlns:a16="http://schemas.microsoft.com/office/drawing/2014/main" id="{ED705F45-05E6-6DDC-D971-2F41DAE946DB}"/>
               </a:ext>
             </a:extLst>
           </p:cNvPr>
@@ -2286,7 +2286,7 @@
           <p:cNvPr id="4" name="文本占位符 3">
             <a:extLst>
               <a:ext uri="{FF2B5EF4-FFF2-40B4-BE49-F238E27FC236}">
-                <a16:creationId xmlns:a16="http://schemas.microsoft.com/office/drawing/2014/main" id="{6AE59802-5C99-2C6F-A103-F7E7E27B5247}"/>
+                <a16:creationId xmlns:a16="http://schemas.microsoft.com/office/drawing/2014/main" id="{5A7B2B06-E3A4-F184-6352-CD6CA9AB1A52}"/>
               </a:ext>
             </a:extLst>
           </p:cNvPr>
@@ -2357,7 +2357,7 @@
           <p:cNvPr id="5" name="日期占位符 4">
             <a:extLst>
               <a:ext uri="{FF2B5EF4-FFF2-40B4-BE49-F238E27FC236}">
-                <a16:creationId xmlns:a16="http://schemas.microsoft.com/office/drawing/2014/main" id="{23C41B15-6250-D807-DEF4-A5CB9722B52F}"/>
+                <a16:creationId xmlns:a16="http://schemas.microsoft.com/office/drawing/2014/main" id="{C4E52CCE-5FCF-4A8D-7622-520C20676D82}"/>
               </a:ext>
             </a:extLst>
           </p:cNvPr>
@@ -2373,7 +2373,7 @@
           <a:bodyPr/>
           <a:lstStyle/>
           <a:p>
-            <a:fld id="{940FB25A-56E7-49E1-AC4A-A4720DBC0D55}" type="datetimeFigureOut">
+            <a:fld id="{7967D29B-F496-4D59-9D5C-98C5116B88FB}" type="datetimeFigureOut">
               <a:rPr lang="zh-CN" altLang="en-US" smtClean="0"/>
               <a:t>2024/3/10</a:t>
             </a:fld>
@@ -2386,7 +2386,7 @@
           <p:cNvPr id="6" name="页脚占位符 5">
             <a:extLst>
               <a:ext uri="{FF2B5EF4-FFF2-40B4-BE49-F238E27FC236}">
-                <a16:creationId xmlns:a16="http://schemas.microsoft.com/office/drawing/2014/main" id="{A478F558-2BBF-0FBB-D8F3-C3A5EF747155}"/>
+                <a16:creationId xmlns:a16="http://schemas.microsoft.com/office/drawing/2014/main" id="{15D2E1C6-CD63-5548-6C20-42B3FABD562F}"/>
               </a:ext>
             </a:extLst>
           </p:cNvPr>
@@ -2411,7 +2411,7 @@
           <p:cNvPr id="7" name="灯片编号占位符 6">
             <a:extLst>
               <a:ext uri="{FF2B5EF4-FFF2-40B4-BE49-F238E27FC236}">
-                <a16:creationId xmlns:a16="http://schemas.microsoft.com/office/drawing/2014/main" id="{DD99265B-09AA-23F3-40ED-9AACC6867EBE}"/>
+                <a16:creationId xmlns:a16="http://schemas.microsoft.com/office/drawing/2014/main" id="{05440C18-C529-3901-F563-FA32448CBB49}"/>
               </a:ext>
             </a:extLst>
           </p:cNvPr>
@@ -2427,7 +2427,7 @@
           <a:bodyPr/>
           <a:lstStyle/>
           <a:p>
-            <a:fld id="{06327412-0BE3-4EE8-B2C7-B162D7E35AE9}" type="slidenum">
+            <a:fld id="{52B90D57-F762-4153-A641-EF6D75EA0603}" type="slidenum">
               <a:rPr lang="zh-CN" altLang="en-US" smtClean="0"/>
               <a:t>‹#›</a:t>
             </a:fld>
@@ -2438,7 +2438,7 @@
     </p:spTree>
     <p:extLst>
       <p:ext uri="{BB962C8B-B14F-4D97-AF65-F5344CB8AC3E}">
-        <p14:creationId xmlns:p14="http://schemas.microsoft.com/office/powerpoint/2010/main" val="1585997716"/>
+        <p14:creationId xmlns:p14="http://schemas.microsoft.com/office/powerpoint/2010/main" val="3497100635"/>
       </p:ext>
     </p:extLst>
   </p:cSld>
@@ -2470,7 +2470,7 @@
           <p:cNvPr id="2" name="标题 1">
             <a:extLst>
               <a:ext uri="{FF2B5EF4-FFF2-40B4-BE49-F238E27FC236}">
-                <a16:creationId xmlns:a16="http://schemas.microsoft.com/office/drawing/2014/main" id="{6A3A2D58-F54C-255B-9F89-A8ABAFBCF5BE}"/>
+                <a16:creationId xmlns:a16="http://schemas.microsoft.com/office/drawing/2014/main" id="{4368EDC8-ECAC-9084-83DD-58F8EA2A9609}"/>
               </a:ext>
             </a:extLst>
           </p:cNvPr>
@@ -2507,7 +2507,7 @@
           <p:cNvPr id="3" name="图片占位符 2">
             <a:extLst>
               <a:ext uri="{FF2B5EF4-FFF2-40B4-BE49-F238E27FC236}">
-                <a16:creationId xmlns:a16="http://schemas.microsoft.com/office/drawing/2014/main" id="{691B606F-EDE7-26DB-540F-4CAEA5B64549}"/>
+                <a16:creationId xmlns:a16="http://schemas.microsoft.com/office/drawing/2014/main" id="{33D70CC6-3DCA-17A0-C6FA-4D7631E97872}"/>
               </a:ext>
             </a:extLst>
           </p:cNvPr>
@@ -2574,7 +2574,7 @@
           <p:cNvPr id="4" name="文本占位符 3">
             <a:extLst>
               <a:ext uri="{FF2B5EF4-FFF2-40B4-BE49-F238E27FC236}">
-                <a16:creationId xmlns:a16="http://schemas.microsoft.com/office/drawing/2014/main" id="{34C88BB5-CEF1-E1BD-094C-42B2EBA1BD38}"/>
+                <a16:creationId xmlns:a16="http://schemas.microsoft.com/office/drawing/2014/main" id="{3A4E091C-19D6-B07E-E1CC-F3A8AC13EC03}"/>
               </a:ext>
             </a:extLst>
           </p:cNvPr>
@@ -2645,7 +2645,7 @@
           <p:cNvPr id="5" name="日期占位符 4">
             <a:extLst>
               <a:ext uri="{FF2B5EF4-FFF2-40B4-BE49-F238E27FC236}">
-                <a16:creationId xmlns:a16="http://schemas.microsoft.com/office/drawing/2014/main" id="{E3E324E9-85A7-B2FB-6722-EEEF391AB49E}"/>
+                <a16:creationId xmlns:a16="http://schemas.microsoft.com/office/drawing/2014/main" id="{93A1FA1A-EE63-AA4D-F43F-F622BB3FDE62}"/>
               </a:ext>
             </a:extLst>
           </p:cNvPr>
@@ -2661,7 +2661,7 @@
           <a:bodyPr/>
           <a:lstStyle/>
           <a:p>
-            <a:fld id="{940FB25A-56E7-49E1-AC4A-A4720DBC0D55}" type="datetimeFigureOut">
+            <a:fld id="{7967D29B-F496-4D59-9D5C-98C5116B88FB}" type="datetimeFigureOut">
               <a:rPr lang="zh-CN" altLang="en-US" smtClean="0"/>
               <a:t>2024/3/10</a:t>
             </a:fld>
@@ -2674,7 +2674,7 @@
           <p:cNvPr id="6" name="页脚占位符 5">
             <a:extLst>
               <a:ext uri="{FF2B5EF4-FFF2-40B4-BE49-F238E27FC236}">
-                <a16:creationId xmlns:a16="http://schemas.microsoft.com/office/drawing/2014/main" id="{127FA49C-8F12-3623-FE90-2F1FEABDBA99}"/>
+                <a16:creationId xmlns:a16="http://schemas.microsoft.com/office/drawing/2014/main" id="{57FD102D-993B-7C77-0A32-DA960EE84073}"/>
               </a:ext>
             </a:extLst>
           </p:cNvPr>
@@ -2699,7 +2699,7 @@
           <p:cNvPr id="7" name="灯片编号占位符 6">
             <a:extLst>
               <a:ext uri="{FF2B5EF4-FFF2-40B4-BE49-F238E27FC236}">
-                <a16:creationId xmlns:a16="http://schemas.microsoft.com/office/drawing/2014/main" id="{8938F273-08E6-D6F7-B5F4-F44741BBB661}"/>
+                <a16:creationId xmlns:a16="http://schemas.microsoft.com/office/drawing/2014/main" id="{22FA5A5D-DB96-46EB-5E20-6D1D23E91612}"/>
               </a:ext>
             </a:extLst>
           </p:cNvPr>
@@ -2715,7 +2715,7 @@
           <a:bodyPr/>
           <a:lstStyle/>
           <a:p>
-            <a:fld id="{06327412-0BE3-4EE8-B2C7-B162D7E35AE9}" type="slidenum">
+            <a:fld id="{52B90D57-F762-4153-A641-EF6D75EA0603}" type="slidenum">
               <a:rPr lang="zh-CN" altLang="en-US" smtClean="0"/>
               <a:t>‹#›</a:t>
             </a:fld>
@@ -2726,7 +2726,7 @@
     </p:spTree>
     <p:extLst>
       <p:ext uri="{BB962C8B-B14F-4D97-AF65-F5344CB8AC3E}">
-        <p14:creationId xmlns:p14="http://schemas.microsoft.com/office/powerpoint/2010/main" val="81748297"/>
+        <p14:creationId xmlns:p14="http://schemas.microsoft.com/office/powerpoint/2010/main" val="980885905"/>
       </p:ext>
     </p:extLst>
   </p:cSld>
@@ -2763,7 +2763,7 @@
           <p:cNvPr id="2" name="标题占位符 1">
             <a:extLst>
               <a:ext uri="{FF2B5EF4-FFF2-40B4-BE49-F238E27FC236}">
-                <a16:creationId xmlns:a16="http://schemas.microsoft.com/office/drawing/2014/main" id="{A7FBAE48-CEE1-DD2F-830D-D6AF8C4E5681}"/>
+                <a16:creationId xmlns:a16="http://schemas.microsoft.com/office/drawing/2014/main" id="{45573E5A-5AA8-34C7-A6C2-72DE4949F3B5}"/>
               </a:ext>
             </a:extLst>
           </p:cNvPr>
@@ -2801,7 +2801,7 @@
           <p:cNvPr id="3" name="文本占位符 2">
             <a:extLst>
               <a:ext uri="{FF2B5EF4-FFF2-40B4-BE49-F238E27FC236}">
-                <a16:creationId xmlns:a16="http://schemas.microsoft.com/office/drawing/2014/main" id="{3B14C0A7-C2A3-3657-86AF-06423481CFD9}"/>
+                <a16:creationId xmlns:a16="http://schemas.microsoft.com/office/drawing/2014/main" id="{D3C0107C-2683-B587-9B15-FD86FB33FEEF}"/>
               </a:ext>
             </a:extLst>
           </p:cNvPr>
@@ -2868,7 +2868,7 @@
           <p:cNvPr id="4" name="日期占位符 3">
             <a:extLst>
               <a:ext uri="{FF2B5EF4-FFF2-40B4-BE49-F238E27FC236}">
-                <a16:creationId xmlns:a16="http://schemas.microsoft.com/office/drawing/2014/main" id="{649F72F3-7B20-63FB-A058-33035828D360}"/>
+                <a16:creationId xmlns:a16="http://schemas.microsoft.com/office/drawing/2014/main" id="{C44E8AFA-4926-59CC-C6FF-2733602C8D44}"/>
               </a:ext>
             </a:extLst>
           </p:cNvPr>
@@ -2902,7 +2902,7 @@
             </a:lvl1pPr>
           </a:lstStyle>
           <a:p>
-            <a:fld id="{940FB25A-56E7-49E1-AC4A-A4720DBC0D55}" type="datetimeFigureOut">
+            <a:fld id="{7967D29B-F496-4D59-9D5C-98C5116B88FB}" type="datetimeFigureOut">
               <a:rPr lang="zh-CN" altLang="en-US" smtClean="0"/>
               <a:t>2024/3/10</a:t>
             </a:fld>
@@ -2915,7 +2915,7 @@
           <p:cNvPr id="5" name="页脚占位符 4">
             <a:extLst>
               <a:ext uri="{FF2B5EF4-FFF2-40B4-BE49-F238E27FC236}">
-                <a16:creationId xmlns:a16="http://schemas.microsoft.com/office/drawing/2014/main" id="{703D48DB-B2FC-B1EF-3E6A-5EA60DD46B85}"/>
+                <a16:creationId xmlns:a16="http://schemas.microsoft.com/office/drawing/2014/main" id="{46ADADDC-DE8E-343C-5AE9-13CC7D070678}"/>
               </a:ext>
             </a:extLst>
           </p:cNvPr>
@@ -2958,7 +2958,7 @@
           <p:cNvPr id="6" name="灯片编号占位符 5">
             <a:extLst>
               <a:ext uri="{FF2B5EF4-FFF2-40B4-BE49-F238E27FC236}">
-                <a16:creationId xmlns:a16="http://schemas.microsoft.com/office/drawing/2014/main" id="{F4E78D17-687A-D609-037A-15514400D2A5}"/>
+                <a16:creationId xmlns:a16="http://schemas.microsoft.com/office/drawing/2014/main" id="{CD1CB24D-4B21-D432-4A76-D51A40940C87}"/>
               </a:ext>
             </a:extLst>
           </p:cNvPr>
@@ -2992,7 +2992,7 @@
             </a:lvl1pPr>
           </a:lstStyle>
           <a:p>
-            <a:fld id="{06327412-0BE3-4EE8-B2C7-B162D7E35AE9}" type="slidenum">
+            <a:fld id="{52B90D57-F762-4153-A641-EF6D75EA0603}" type="slidenum">
               <a:rPr lang="zh-CN" altLang="en-US" smtClean="0"/>
               <a:t>‹#›</a:t>
             </a:fld>
@@ -3003,7 +3003,7 @@
     </p:spTree>
     <p:extLst>
       <p:ext uri="{BB962C8B-B14F-4D97-AF65-F5344CB8AC3E}">
-        <p14:creationId xmlns:p14="http://schemas.microsoft.com/office/powerpoint/2010/main" val="1685187168"/>
+        <p14:creationId xmlns:p14="http://schemas.microsoft.com/office/powerpoint/2010/main" val="2927196815"/>
       </p:ext>
     </p:extLst>
   </p:cSld>
